--- a/Sonpari Tales deck.pptx
+++ b/Sonpari Tales deck.pptx
@@ -7864,7 +7864,7 @@
                   <a:srgbClr val="D9D9D9"/>
                 </a:solidFill>
               </a:rPr>
-              <a:t>We have successfully built an Alexa Skill for proposed idea. It covers all the corner cases and does not gives error even if user stops skill at any point of.</a:t>
+              <a:t>We have successfully built an Alexa Skill for proposed idea. It covers all the corner cases and does not give error even if user stops the skill at any point.</a:t>
             </a:r>
             <a:br>
               <a:rPr b="1" lang="en" sz="1500">
@@ -7895,7 +7895,7 @@
                   <a:srgbClr val="D9D9D9"/>
                 </a:solidFill>
               </a:rPr>
-              <a:t>It also tracks a record of last played story and its date and plays a new story only if it is not the current date is not equal to stored date</a:t>
+              <a:t>It also tracks a record of last played story and its date and plays a new story only if the current date is not equal to stored date</a:t>
             </a:r>
             <a:endParaRPr b="1" sz="1500">
               <a:solidFill>
